--- a/StructuredLogging.pptx
+++ b/StructuredLogging.pptx
@@ -110,6 +110,11 @@
       </a:defRPr>
     </a:lvl9pPr>
   </p:defaultTextStyle>
+  <p:extLst>
+    <p:ext uri="{EFAFB233-063F-42B5-8137-9DF3F51BA10A}">
+      <p15:sldGuideLst xmlns:p15="http://schemas.microsoft.com/office/powerpoint/2012/main"/>
+    </p:ext>
+  </p:extLst>
 </p:presentation>
 </file>
 
@@ -260,7 +265,7 @@
           <a:p>
             <a:fld id="{A19B93BB-EFBE-46FF-9561-0C7630E57D6C}" type="datetimeFigureOut">
               <a:rPr lang="en-US" smtClean="0"/>
-              <a:t>3/13/2019</a:t>
+              <a:t>3/31/2019</a:t>
             </a:fld>
             <a:endParaRPr lang="en-US"/>
           </a:p>
@@ -458,7 +463,7 @@
           <a:p>
             <a:fld id="{A19B93BB-EFBE-46FF-9561-0C7630E57D6C}" type="datetimeFigureOut">
               <a:rPr lang="en-US" smtClean="0"/>
-              <a:t>3/13/2019</a:t>
+              <a:t>3/31/2019</a:t>
             </a:fld>
             <a:endParaRPr lang="en-US"/>
           </a:p>
@@ -666,7 +671,7 @@
           <a:p>
             <a:fld id="{A19B93BB-EFBE-46FF-9561-0C7630E57D6C}" type="datetimeFigureOut">
               <a:rPr lang="en-US" smtClean="0"/>
-              <a:t>3/13/2019</a:t>
+              <a:t>3/31/2019</a:t>
             </a:fld>
             <a:endParaRPr lang="en-US"/>
           </a:p>
@@ -864,7 +869,7 @@
           <a:p>
             <a:fld id="{A19B93BB-EFBE-46FF-9561-0C7630E57D6C}" type="datetimeFigureOut">
               <a:rPr lang="en-US" smtClean="0"/>
-              <a:t>3/13/2019</a:t>
+              <a:t>3/31/2019</a:t>
             </a:fld>
             <a:endParaRPr lang="en-US"/>
           </a:p>
@@ -1139,7 +1144,7 @@
           <a:p>
             <a:fld id="{A19B93BB-EFBE-46FF-9561-0C7630E57D6C}" type="datetimeFigureOut">
               <a:rPr lang="en-US" smtClean="0"/>
-              <a:t>3/13/2019</a:t>
+              <a:t>3/31/2019</a:t>
             </a:fld>
             <a:endParaRPr lang="en-US"/>
           </a:p>
@@ -1404,7 +1409,7 @@
           <a:p>
             <a:fld id="{A19B93BB-EFBE-46FF-9561-0C7630E57D6C}" type="datetimeFigureOut">
               <a:rPr lang="en-US" smtClean="0"/>
-              <a:t>3/13/2019</a:t>
+              <a:t>3/31/2019</a:t>
             </a:fld>
             <a:endParaRPr lang="en-US"/>
           </a:p>
@@ -1816,7 +1821,7 @@
           <a:p>
             <a:fld id="{A19B93BB-EFBE-46FF-9561-0C7630E57D6C}" type="datetimeFigureOut">
               <a:rPr lang="en-US" smtClean="0"/>
-              <a:t>3/13/2019</a:t>
+              <a:t>3/31/2019</a:t>
             </a:fld>
             <a:endParaRPr lang="en-US"/>
           </a:p>
@@ -1957,7 +1962,7 @@
           <a:p>
             <a:fld id="{A19B93BB-EFBE-46FF-9561-0C7630E57D6C}" type="datetimeFigureOut">
               <a:rPr lang="en-US" smtClean="0"/>
-              <a:t>3/13/2019</a:t>
+              <a:t>3/31/2019</a:t>
             </a:fld>
             <a:endParaRPr lang="en-US"/>
           </a:p>
@@ -2070,7 +2075,7 @@
           <a:p>
             <a:fld id="{A19B93BB-EFBE-46FF-9561-0C7630E57D6C}" type="datetimeFigureOut">
               <a:rPr lang="en-US" smtClean="0"/>
-              <a:t>3/13/2019</a:t>
+              <a:t>3/31/2019</a:t>
             </a:fld>
             <a:endParaRPr lang="en-US"/>
           </a:p>
@@ -2381,7 +2386,7 @@
           <a:p>
             <a:fld id="{A19B93BB-EFBE-46FF-9561-0C7630E57D6C}" type="datetimeFigureOut">
               <a:rPr lang="en-US" smtClean="0"/>
-              <a:t>3/13/2019</a:t>
+              <a:t>3/31/2019</a:t>
             </a:fld>
             <a:endParaRPr lang="en-US"/>
           </a:p>
@@ -2669,7 +2674,7 @@
           <a:p>
             <a:fld id="{A19B93BB-EFBE-46FF-9561-0C7630E57D6C}" type="datetimeFigureOut">
               <a:rPr lang="en-US" smtClean="0"/>
-              <a:t>3/13/2019</a:t>
+              <a:t>3/31/2019</a:t>
             </a:fld>
             <a:endParaRPr lang="en-US"/>
           </a:p>
@@ -2910,7 +2915,7 @@
           <a:p>
             <a:fld id="{A19B93BB-EFBE-46FF-9561-0C7630E57D6C}" type="datetimeFigureOut">
               <a:rPr lang="en-US" smtClean="0"/>
-              <a:t>3/13/2019</a:t>
+              <a:t>3/31/2019</a:t>
             </a:fld>
             <a:endParaRPr lang="en-US"/>
           </a:p>
@@ -3548,7 +3553,7 @@
           <a:p>
             <a:r>
               <a:rPr lang="en-US" dirty="0"/>
-              <a:t>TransUnion Healthcare Fort Worth’s Problem</a:t>
+              <a:t>TransUnion Healthcare Fort Worth</a:t>
             </a:r>
           </a:p>
         </p:txBody>
@@ -3582,13 +3587,13 @@
           <a:p>
             <a:r>
               <a:rPr lang="en-US" dirty="0"/>
-              <a:t>3 different products (need a note about the number of repositories and individual applications), 9,000 databases</a:t>
+              <a:t>3 products, 60+ repositories, 40+ applications, 9K+ databases</a:t>
             </a:r>
           </a:p>
           <a:p>
             <a:r>
               <a:rPr lang="en-US" dirty="0"/>
-              <a:t>6ish environments: Local, CI, Pre-QA, QA, Regression, Production</a:t>
+              <a:t>6 environments: Local, CI, Pre-QA, QA, Regression, Production</a:t>
             </a:r>
           </a:p>
           <a:p>
@@ -3692,6 +3697,12 @@
           <a:p>
             <a:r>
               <a:rPr lang="en-US" dirty="0"/>
+              <a:t>Often to a set of text files</a:t>
+            </a:r>
+          </a:p>
+          <a:p>
+            <a:r>
+              <a:rPr lang="en-US" dirty="0"/>
               <a:t>Hard to track a single event across multiple systems</a:t>
             </a:r>
           </a:p>
@@ -3699,6 +3710,18 @@
             <a:r>
               <a:rPr lang="en-US" dirty="0"/>
               <a:t>Lacks context of what was going on during the events</a:t>
+            </a:r>
+          </a:p>
+          <a:p>
+            <a:r>
+              <a:rPr lang="en-US" dirty="0"/>
+              <a:t>How do you filter to see a particular event, and at the same time filter on some property?</a:t>
+            </a:r>
+          </a:p>
+          <a:p>
+            <a:r>
+              <a:rPr lang="en-US" dirty="0"/>
+              <a:t>How to log complex objects?</a:t>
             </a:r>
           </a:p>
         </p:txBody>
@@ -3793,6 +3816,53 @@
               <a:t>Context can be a primitive type, or a complex object</a:t>
             </a:r>
           </a:p>
+          <a:p>
+            <a:r>
+              <a:rPr lang="en-US" dirty="0"/>
+              <a:t>Each event is assigned a type or identifier</a:t>
+            </a:r>
+          </a:p>
+          <a:p>
+            <a:r>
+              <a:rPr lang="en-US" dirty="0"/>
+              <a:t>Tools that understand the structured logging format can do advanced filtering and allow you to drill down into properties</a:t>
+            </a:r>
+          </a:p>
+          <a:p>
+            <a:r>
+              <a:rPr lang="en-US" dirty="0"/>
+              <a:t>Supported by </a:t>
+            </a:r>
+            <a:r>
+              <a:rPr lang="en-US" dirty="0" err="1"/>
+              <a:t>Serilog</a:t>
+            </a:r>
+            <a:r>
+              <a:rPr lang="en-US" dirty="0"/>
+              <a:t>, </a:t>
+            </a:r>
+            <a:r>
+              <a:rPr lang="en-US" dirty="0" err="1"/>
+              <a:t>NLog</a:t>
+            </a:r>
+            <a:r>
+              <a:rPr lang="en-US" dirty="0"/>
+              <a:t>, </a:t>
+            </a:r>
+            <a:r>
+              <a:rPr lang="en-US" dirty="0" err="1"/>
+              <a:t>LibLog</a:t>
+            </a:r>
+            <a:r>
+              <a:rPr lang="en-US" dirty="0"/>
+              <a:t>, and </a:t>
+            </a:r>
+            <a:r>
+              <a:rPr lang="en-US" dirty="0" err="1"/>
+              <a:t>Microsoft.Extensions.Logging</a:t>
+            </a:r>
+            <a:endParaRPr lang="en-US" dirty="0"/>
+          </a:p>
         </p:txBody>
       </p:sp>
     </p:spTree>
@@ -3899,7 +3969,7 @@
             </a:r>
             <a:r>
               <a:rPr lang="en-US" dirty="0"/>
-              <a:t>/</a:t>
+              <a:t>, </a:t>
             </a:r>
             <a:r>
               <a:rPr lang="en-US" dirty="0" err="1"/>
@@ -3918,7 +3988,7 @@
           <a:p>
             <a:r>
               <a:rPr lang="en-US" dirty="0"/>
-              <a:t>Enrich events with context</a:t>
+              <a:t>Enrich events with context (properties that apply to all events within a certain scope)</a:t>
             </a:r>
           </a:p>
           <a:p>
@@ -4017,6 +4087,12 @@
             <a:r>
               <a:rPr lang="en-US" dirty="0"/>
               <a:t>Powerful and simple query language</a:t>
+            </a:r>
+          </a:p>
+          <a:p>
+            <a:r>
+              <a:rPr lang="en-US" dirty="0"/>
+              <a:t>Filters called signals</a:t>
             </a:r>
           </a:p>
           <a:p>

--- a/StructuredLogging.pptx
+++ b/StructuredLogging.pptx
@@ -2,7 +2,7 @@
 <file path=ppt/presentation.xml><?xml version="1.0" encoding="utf-8"?>
 <p:presentation xmlns:a="http://schemas.openxmlformats.org/drawingml/2006/main" xmlns:r="http://schemas.openxmlformats.org/officeDocument/2006/relationships" xmlns:p="http://schemas.openxmlformats.org/presentationml/2006/main" saveSubsetFonts="1">
   <p:sldMasterIdLst>
-    <p:sldMasterId id="2147483648" r:id="rId1"/>
+    <p:sldMasterId id="2147483660" r:id="rId1"/>
   </p:sldMasterIdLst>
   <p:sldIdLst>
     <p:sldId id="256" r:id="rId2"/>
@@ -19,7 +19,7 @@
     <a:defPPr>
       <a:defRPr lang="en-US"/>
     </a:defPPr>
-    <a:lvl1pPr marL="0" algn="l" defTabSz="914400" rtl="0" eaLnBrk="1" latinLnBrk="0" hangingPunct="1">
+    <a:lvl1pPr marL="0" algn="l" defTabSz="457200" rtl="0" eaLnBrk="1" latinLnBrk="0" hangingPunct="1">
       <a:defRPr sz="1800" kern="1200">
         <a:solidFill>
           <a:schemeClr val="tx1"/>
@@ -29,7 +29,7 @@
         <a:cs typeface="+mn-cs"/>
       </a:defRPr>
     </a:lvl1pPr>
-    <a:lvl2pPr marL="457200" algn="l" defTabSz="914400" rtl="0" eaLnBrk="1" latinLnBrk="0" hangingPunct="1">
+    <a:lvl2pPr marL="457200" algn="l" defTabSz="457200" rtl="0" eaLnBrk="1" latinLnBrk="0" hangingPunct="1">
       <a:defRPr sz="1800" kern="1200">
         <a:solidFill>
           <a:schemeClr val="tx1"/>
@@ -39,7 +39,7 @@
         <a:cs typeface="+mn-cs"/>
       </a:defRPr>
     </a:lvl2pPr>
-    <a:lvl3pPr marL="914400" algn="l" defTabSz="914400" rtl="0" eaLnBrk="1" latinLnBrk="0" hangingPunct="1">
+    <a:lvl3pPr marL="914400" algn="l" defTabSz="457200" rtl="0" eaLnBrk="1" latinLnBrk="0" hangingPunct="1">
       <a:defRPr sz="1800" kern="1200">
         <a:solidFill>
           <a:schemeClr val="tx1"/>
@@ -49,7 +49,7 @@
         <a:cs typeface="+mn-cs"/>
       </a:defRPr>
     </a:lvl3pPr>
-    <a:lvl4pPr marL="1371600" algn="l" defTabSz="914400" rtl="0" eaLnBrk="1" latinLnBrk="0" hangingPunct="1">
+    <a:lvl4pPr marL="1371600" algn="l" defTabSz="457200" rtl="0" eaLnBrk="1" latinLnBrk="0" hangingPunct="1">
       <a:defRPr sz="1800" kern="1200">
         <a:solidFill>
           <a:schemeClr val="tx1"/>
@@ -59,7 +59,7 @@
         <a:cs typeface="+mn-cs"/>
       </a:defRPr>
     </a:lvl4pPr>
-    <a:lvl5pPr marL="1828800" algn="l" defTabSz="914400" rtl="0" eaLnBrk="1" latinLnBrk="0" hangingPunct="1">
+    <a:lvl5pPr marL="1828800" algn="l" defTabSz="457200" rtl="0" eaLnBrk="1" latinLnBrk="0" hangingPunct="1">
       <a:defRPr sz="1800" kern="1200">
         <a:solidFill>
           <a:schemeClr val="tx1"/>
@@ -69,7 +69,7 @@
         <a:cs typeface="+mn-cs"/>
       </a:defRPr>
     </a:lvl5pPr>
-    <a:lvl6pPr marL="2286000" algn="l" defTabSz="914400" rtl="0" eaLnBrk="1" latinLnBrk="0" hangingPunct="1">
+    <a:lvl6pPr marL="2286000" algn="l" defTabSz="457200" rtl="0" eaLnBrk="1" latinLnBrk="0" hangingPunct="1">
       <a:defRPr sz="1800" kern="1200">
         <a:solidFill>
           <a:schemeClr val="tx1"/>
@@ -79,7 +79,7 @@
         <a:cs typeface="+mn-cs"/>
       </a:defRPr>
     </a:lvl6pPr>
-    <a:lvl7pPr marL="2743200" algn="l" defTabSz="914400" rtl="0" eaLnBrk="1" latinLnBrk="0" hangingPunct="1">
+    <a:lvl7pPr marL="2743200" algn="l" defTabSz="457200" rtl="0" eaLnBrk="1" latinLnBrk="0" hangingPunct="1">
       <a:defRPr sz="1800" kern="1200">
         <a:solidFill>
           <a:schemeClr val="tx1"/>
@@ -89,7 +89,7 @@
         <a:cs typeface="+mn-cs"/>
       </a:defRPr>
     </a:lvl7pPr>
-    <a:lvl8pPr marL="3200400" algn="l" defTabSz="914400" rtl="0" eaLnBrk="1" latinLnBrk="0" hangingPunct="1">
+    <a:lvl8pPr marL="3200400" algn="l" defTabSz="457200" rtl="0" eaLnBrk="1" latinLnBrk="0" hangingPunct="1">
       <a:defRPr sz="1800" kern="1200">
         <a:solidFill>
           <a:schemeClr val="tx1"/>
@@ -99,7 +99,7 @@
         <a:cs typeface="+mn-cs"/>
       </a:defRPr>
     </a:lvl8pPr>
-    <a:lvl9pPr marL="3657600" algn="l" defTabSz="914400" rtl="0" eaLnBrk="1" latinLnBrk="0" hangingPunct="1">
+    <a:lvl9pPr marL="3657600" algn="l" defTabSz="457200" rtl="0" eaLnBrk="1" latinLnBrk="0" hangingPunct="1">
       <a:defRPr sz="1800" kern="1200">
         <a:solidFill>
           <a:schemeClr val="tx1"/>
@@ -137,13 +137,7 @@
       </p:grpSpPr>
       <p:sp>
         <p:nvSpPr>
-          <p:cNvPr id="2" name="Title 1">
-            <a:extLst>
-              <a:ext uri="{FF2B5EF4-FFF2-40B4-BE49-F238E27FC236}">
-                <a16:creationId xmlns:a16="http://schemas.microsoft.com/office/drawing/2014/main" id="{D8D19053-D9A6-4DD2-9447-976B7C475674}"/>
-              </a:ext>
-            </a:extLst>
-          </p:cNvPr>
+          <p:cNvPr id="2" name="Title 1"/>
           <p:cNvSpPr>
             <a:spLocks noGrp="1"/>
           </p:cNvSpPr>
@@ -169,18 +163,13 @@
               <a:rPr lang="en-US"/>
               <a:t>Click to edit Master title style</a:t>
             </a:r>
-          </a:p>
-        </p:txBody>
-      </p:sp>
-      <p:sp>
-        <p:nvSpPr>
-          <p:cNvPr id="3" name="Subtitle 2">
-            <a:extLst>
-              <a:ext uri="{FF2B5EF4-FFF2-40B4-BE49-F238E27FC236}">
-                <a16:creationId xmlns:a16="http://schemas.microsoft.com/office/drawing/2014/main" id="{FD430D27-EF27-4B71-862F-B4AF8539A1D0}"/>
-              </a:ext>
-            </a:extLst>
-          </p:cNvPr>
+            <a:endParaRPr lang="en-US" dirty="0"/>
+          </a:p>
+        </p:txBody>
+      </p:sp>
+      <p:sp>
+        <p:nvSpPr>
+          <p:cNvPr id="3" name="Subtitle 2"/>
           <p:cNvSpPr>
             <a:spLocks noGrp="1"/>
           </p:cNvSpPr>
@@ -239,18 +228,13 @@
               <a:rPr lang="en-US"/>
               <a:t>Click to edit Master subtitle style</a:t>
             </a:r>
-          </a:p>
-        </p:txBody>
-      </p:sp>
-      <p:sp>
-        <p:nvSpPr>
-          <p:cNvPr id="4" name="Date Placeholder 3">
-            <a:extLst>
-              <a:ext uri="{FF2B5EF4-FFF2-40B4-BE49-F238E27FC236}">
-                <a16:creationId xmlns:a16="http://schemas.microsoft.com/office/drawing/2014/main" id="{9BE6FDE6-66DE-49FB-8457-20BAADFB52E5}"/>
-              </a:ext>
-            </a:extLst>
-          </p:cNvPr>
+            <a:endParaRPr lang="en-US" dirty="0"/>
+          </a:p>
+        </p:txBody>
+      </p:sp>
+      <p:sp>
+        <p:nvSpPr>
+          <p:cNvPr id="4" name="Date Placeholder 3"/>
           <p:cNvSpPr>
             <a:spLocks noGrp="1"/>
           </p:cNvSpPr>
@@ -273,13 +257,7 @@
       </p:sp>
       <p:sp>
         <p:nvSpPr>
-          <p:cNvPr id="5" name="Footer Placeholder 4">
-            <a:extLst>
-              <a:ext uri="{FF2B5EF4-FFF2-40B4-BE49-F238E27FC236}">
-                <a16:creationId xmlns:a16="http://schemas.microsoft.com/office/drawing/2014/main" id="{D5189BA1-593F-477D-BF0C-14C3223941CA}"/>
-              </a:ext>
-            </a:extLst>
-          </p:cNvPr>
+          <p:cNvPr id="5" name="Footer Placeholder 4"/>
           <p:cNvSpPr>
             <a:spLocks noGrp="1"/>
           </p:cNvSpPr>
@@ -298,13 +276,7 @@
       </p:sp>
       <p:sp>
         <p:nvSpPr>
-          <p:cNvPr id="6" name="Slide Number Placeholder 5">
-            <a:extLst>
-              <a:ext uri="{FF2B5EF4-FFF2-40B4-BE49-F238E27FC236}">
-                <a16:creationId xmlns:a16="http://schemas.microsoft.com/office/drawing/2014/main" id="{1EC11F53-C185-49FE-87D3-9962EFEB7D11}"/>
-              </a:ext>
-            </a:extLst>
-          </p:cNvPr>
+          <p:cNvPr id="6" name="Slide Number Placeholder 5"/>
           <p:cNvSpPr>
             <a:spLocks noGrp="1"/>
           </p:cNvSpPr>
@@ -328,7 +300,7 @@
     </p:spTree>
     <p:extLst>
       <p:ext uri="{BB962C8B-B14F-4D97-AF65-F5344CB8AC3E}">
-        <p14:creationId xmlns:p14="http://schemas.microsoft.com/office/powerpoint/2010/main" val="2723420285"/>
+        <p14:creationId xmlns:p14="http://schemas.microsoft.com/office/powerpoint/2010/main" val="3783361294"/>
       </p:ext>
     </p:extLst>
   </p:cSld>
@@ -357,13 +329,7 @@
       </p:grpSpPr>
       <p:sp>
         <p:nvSpPr>
-          <p:cNvPr id="2" name="Title 1">
-            <a:extLst>
-              <a:ext uri="{FF2B5EF4-FFF2-40B4-BE49-F238E27FC236}">
-                <a16:creationId xmlns:a16="http://schemas.microsoft.com/office/drawing/2014/main" id="{5254D5A1-501A-447D-A50A-C608E73B5140}"/>
-              </a:ext>
-            </a:extLst>
-          </p:cNvPr>
+          <p:cNvPr id="2" name="Title 1"/>
           <p:cNvSpPr>
             <a:spLocks noGrp="1"/>
           </p:cNvSpPr>
@@ -380,18 +346,13 @@
               <a:rPr lang="en-US"/>
               <a:t>Click to edit Master title style</a:t>
             </a:r>
-          </a:p>
-        </p:txBody>
-      </p:sp>
-      <p:sp>
-        <p:nvSpPr>
-          <p:cNvPr id="3" name="Vertical Text Placeholder 2">
-            <a:extLst>
-              <a:ext uri="{FF2B5EF4-FFF2-40B4-BE49-F238E27FC236}">
-                <a16:creationId xmlns:a16="http://schemas.microsoft.com/office/drawing/2014/main" id="{C8DE7BDC-9407-40EC-A3BF-4EBABE99DD65}"/>
-              </a:ext>
-            </a:extLst>
-          </p:cNvPr>
+            <a:endParaRPr lang="en-US" dirty="0"/>
+          </a:p>
+        </p:txBody>
+      </p:sp>
+      <p:sp>
+        <p:nvSpPr>
+          <p:cNvPr id="3" name="Vertical Text Placeholder 2"/>
           <p:cNvSpPr>
             <a:spLocks noGrp="1"/>
           </p:cNvSpPr>
@@ -437,18 +398,13 @@
               <a:rPr lang="en-US"/>
               <a:t>Fifth level</a:t>
             </a:r>
-          </a:p>
-        </p:txBody>
-      </p:sp>
-      <p:sp>
-        <p:nvSpPr>
-          <p:cNvPr id="4" name="Date Placeholder 3">
-            <a:extLst>
-              <a:ext uri="{FF2B5EF4-FFF2-40B4-BE49-F238E27FC236}">
-                <a16:creationId xmlns:a16="http://schemas.microsoft.com/office/drawing/2014/main" id="{277F96CD-8519-4B97-A460-9185DC2D9478}"/>
-              </a:ext>
-            </a:extLst>
-          </p:cNvPr>
+            <a:endParaRPr lang="en-US" dirty="0"/>
+          </a:p>
+        </p:txBody>
+      </p:sp>
+      <p:sp>
+        <p:nvSpPr>
+          <p:cNvPr id="4" name="Date Placeholder 3"/>
           <p:cNvSpPr>
             <a:spLocks noGrp="1"/>
           </p:cNvSpPr>
@@ -471,13 +427,7 @@
       </p:sp>
       <p:sp>
         <p:nvSpPr>
-          <p:cNvPr id="5" name="Footer Placeholder 4">
-            <a:extLst>
-              <a:ext uri="{FF2B5EF4-FFF2-40B4-BE49-F238E27FC236}">
-                <a16:creationId xmlns:a16="http://schemas.microsoft.com/office/drawing/2014/main" id="{E657024F-A085-4C03-9F6C-40B8CDEC5092}"/>
-              </a:ext>
-            </a:extLst>
-          </p:cNvPr>
+          <p:cNvPr id="5" name="Footer Placeholder 4"/>
           <p:cNvSpPr>
             <a:spLocks noGrp="1"/>
           </p:cNvSpPr>
@@ -496,13 +446,7 @@
       </p:sp>
       <p:sp>
         <p:nvSpPr>
-          <p:cNvPr id="6" name="Slide Number Placeholder 5">
-            <a:extLst>
-              <a:ext uri="{FF2B5EF4-FFF2-40B4-BE49-F238E27FC236}">
-                <a16:creationId xmlns:a16="http://schemas.microsoft.com/office/drawing/2014/main" id="{20214154-E67D-444C-9E14-F0464F3D4C53}"/>
-              </a:ext>
-            </a:extLst>
-          </p:cNvPr>
+          <p:cNvPr id="6" name="Slide Number Placeholder 5"/>
           <p:cNvSpPr>
             <a:spLocks noGrp="1"/>
           </p:cNvSpPr>
@@ -526,7 +470,7 @@
     </p:spTree>
     <p:extLst>
       <p:ext uri="{BB962C8B-B14F-4D97-AF65-F5344CB8AC3E}">
-        <p14:creationId xmlns:p14="http://schemas.microsoft.com/office/powerpoint/2010/main" val="2998533488"/>
+        <p14:creationId xmlns:p14="http://schemas.microsoft.com/office/powerpoint/2010/main" val="233628174"/>
       </p:ext>
     </p:extLst>
   </p:cSld>
@@ -555,13 +499,7 @@
       </p:grpSpPr>
       <p:sp>
         <p:nvSpPr>
-          <p:cNvPr id="2" name="Vertical Title 1">
-            <a:extLst>
-              <a:ext uri="{FF2B5EF4-FFF2-40B4-BE49-F238E27FC236}">
-                <a16:creationId xmlns:a16="http://schemas.microsoft.com/office/drawing/2014/main" id="{CE793E4D-EA39-4613-A91E-E85F0D58DAC4}"/>
-              </a:ext>
-            </a:extLst>
-          </p:cNvPr>
+          <p:cNvPr id="2" name="Vertical Title 1"/>
           <p:cNvSpPr>
             <a:spLocks noGrp="1"/>
           </p:cNvSpPr>
@@ -583,18 +521,13 @@
               <a:rPr lang="en-US"/>
               <a:t>Click to edit Master title style</a:t>
             </a:r>
-          </a:p>
-        </p:txBody>
-      </p:sp>
-      <p:sp>
-        <p:nvSpPr>
-          <p:cNvPr id="3" name="Vertical Text Placeholder 2">
-            <a:extLst>
-              <a:ext uri="{FF2B5EF4-FFF2-40B4-BE49-F238E27FC236}">
-                <a16:creationId xmlns:a16="http://schemas.microsoft.com/office/drawing/2014/main" id="{31C5EA8F-3B15-4FBE-B58A-3E2E3FE9BFD6}"/>
-              </a:ext>
-            </a:extLst>
-          </p:cNvPr>
+            <a:endParaRPr lang="en-US" dirty="0"/>
+          </a:p>
+        </p:txBody>
+      </p:sp>
+      <p:sp>
+        <p:nvSpPr>
+          <p:cNvPr id="3" name="Vertical Text Placeholder 2"/>
           <p:cNvSpPr>
             <a:spLocks noGrp="1"/>
           </p:cNvSpPr>
@@ -645,18 +578,13 @@
               <a:rPr lang="en-US"/>
               <a:t>Fifth level</a:t>
             </a:r>
-          </a:p>
-        </p:txBody>
-      </p:sp>
-      <p:sp>
-        <p:nvSpPr>
-          <p:cNvPr id="4" name="Date Placeholder 3">
-            <a:extLst>
-              <a:ext uri="{FF2B5EF4-FFF2-40B4-BE49-F238E27FC236}">
-                <a16:creationId xmlns:a16="http://schemas.microsoft.com/office/drawing/2014/main" id="{8938173A-4E0B-4D87-82BA-D32225A22784}"/>
-              </a:ext>
-            </a:extLst>
-          </p:cNvPr>
+            <a:endParaRPr lang="en-US" dirty="0"/>
+          </a:p>
+        </p:txBody>
+      </p:sp>
+      <p:sp>
+        <p:nvSpPr>
+          <p:cNvPr id="4" name="Date Placeholder 3"/>
           <p:cNvSpPr>
             <a:spLocks noGrp="1"/>
           </p:cNvSpPr>
@@ -679,13 +607,7 @@
       </p:sp>
       <p:sp>
         <p:nvSpPr>
-          <p:cNvPr id="5" name="Footer Placeholder 4">
-            <a:extLst>
-              <a:ext uri="{FF2B5EF4-FFF2-40B4-BE49-F238E27FC236}">
-                <a16:creationId xmlns:a16="http://schemas.microsoft.com/office/drawing/2014/main" id="{4BC8881E-2506-42EA-9918-B26CC957B4E7}"/>
-              </a:ext>
-            </a:extLst>
-          </p:cNvPr>
+          <p:cNvPr id="5" name="Footer Placeholder 4"/>
           <p:cNvSpPr>
             <a:spLocks noGrp="1"/>
           </p:cNvSpPr>
@@ -704,13 +626,7 @@
       </p:sp>
       <p:sp>
         <p:nvSpPr>
-          <p:cNvPr id="6" name="Slide Number Placeholder 5">
-            <a:extLst>
-              <a:ext uri="{FF2B5EF4-FFF2-40B4-BE49-F238E27FC236}">
-                <a16:creationId xmlns:a16="http://schemas.microsoft.com/office/drawing/2014/main" id="{63E355AE-7403-4A76-85A6-84804D6FD29C}"/>
-              </a:ext>
-            </a:extLst>
-          </p:cNvPr>
+          <p:cNvPr id="6" name="Slide Number Placeholder 5"/>
           <p:cNvSpPr>
             <a:spLocks noGrp="1"/>
           </p:cNvSpPr>
@@ -734,7 +650,7 @@
     </p:spTree>
     <p:extLst>
       <p:ext uri="{BB962C8B-B14F-4D97-AF65-F5344CB8AC3E}">
-        <p14:creationId xmlns:p14="http://schemas.microsoft.com/office/powerpoint/2010/main" val="2973723495"/>
+        <p14:creationId xmlns:p14="http://schemas.microsoft.com/office/powerpoint/2010/main" val="2677105868"/>
       </p:ext>
     </p:extLst>
   </p:cSld>
@@ -763,13 +679,7 @@
       </p:grpSpPr>
       <p:sp>
         <p:nvSpPr>
-          <p:cNvPr id="2" name="Title 1">
-            <a:extLst>
-              <a:ext uri="{FF2B5EF4-FFF2-40B4-BE49-F238E27FC236}">
-                <a16:creationId xmlns:a16="http://schemas.microsoft.com/office/drawing/2014/main" id="{0D4F5F55-9A15-4A1C-B90F-A7A781D75930}"/>
-              </a:ext>
-            </a:extLst>
-          </p:cNvPr>
+          <p:cNvPr id="2" name="Title 1"/>
           <p:cNvSpPr>
             <a:spLocks noGrp="1"/>
           </p:cNvSpPr>
@@ -786,18 +696,13 @@
               <a:rPr lang="en-US"/>
               <a:t>Click to edit Master title style</a:t>
             </a:r>
-          </a:p>
-        </p:txBody>
-      </p:sp>
-      <p:sp>
-        <p:nvSpPr>
-          <p:cNvPr id="3" name="Content Placeholder 2">
-            <a:extLst>
-              <a:ext uri="{FF2B5EF4-FFF2-40B4-BE49-F238E27FC236}">
-                <a16:creationId xmlns:a16="http://schemas.microsoft.com/office/drawing/2014/main" id="{55410316-FF9E-41E6-99E9-FCD418F14145}"/>
-              </a:ext>
-            </a:extLst>
-          </p:cNvPr>
+            <a:endParaRPr lang="en-US" dirty="0"/>
+          </a:p>
+        </p:txBody>
+      </p:sp>
+      <p:sp>
+        <p:nvSpPr>
+          <p:cNvPr id="3" name="Content Placeholder 2"/>
           <p:cNvSpPr>
             <a:spLocks noGrp="1"/>
           </p:cNvSpPr>
@@ -843,18 +748,13 @@
               <a:rPr lang="en-US"/>
               <a:t>Fifth level</a:t>
             </a:r>
-          </a:p>
-        </p:txBody>
-      </p:sp>
-      <p:sp>
-        <p:nvSpPr>
-          <p:cNvPr id="4" name="Date Placeholder 3">
-            <a:extLst>
-              <a:ext uri="{FF2B5EF4-FFF2-40B4-BE49-F238E27FC236}">
-                <a16:creationId xmlns:a16="http://schemas.microsoft.com/office/drawing/2014/main" id="{A594E2ED-F2E3-447B-A203-45466AACB0E1}"/>
-              </a:ext>
-            </a:extLst>
-          </p:cNvPr>
+            <a:endParaRPr lang="en-US" dirty="0"/>
+          </a:p>
+        </p:txBody>
+      </p:sp>
+      <p:sp>
+        <p:nvSpPr>
+          <p:cNvPr id="4" name="Date Placeholder 3"/>
           <p:cNvSpPr>
             <a:spLocks noGrp="1"/>
           </p:cNvSpPr>
@@ -877,13 +777,7 @@
       </p:sp>
       <p:sp>
         <p:nvSpPr>
-          <p:cNvPr id="5" name="Footer Placeholder 4">
-            <a:extLst>
-              <a:ext uri="{FF2B5EF4-FFF2-40B4-BE49-F238E27FC236}">
-                <a16:creationId xmlns:a16="http://schemas.microsoft.com/office/drawing/2014/main" id="{9FA7B22B-CCBA-4310-9B2E-5F58E6F6C1B4}"/>
-              </a:ext>
-            </a:extLst>
-          </p:cNvPr>
+          <p:cNvPr id="5" name="Footer Placeholder 4"/>
           <p:cNvSpPr>
             <a:spLocks noGrp="1"/>
           </p:cNvSpPr>
@@ -902,13 +796,7 @@
       </p:sp>
       <p:sp>
         <p:nvSpPr>
-          <p:cNvPr id="6" name="Slide Number Placeholder 5">
-            <a:extLst>
-              <a:ext uri="{FF2B5EF4-FFF2-40B4-BE49-F238E27FC236}">
-                <a16:creationId xmlns:a16="http://schemas.microsoft.com/office/drawing/2014/main" id="{6E0829D3-D12A-4C66-A354-B2FE4FF8F392}"/>
-              </a:ext>
-            </a:extLst>
-          </p:cNvPr>
+          <p:cNvPr id="6" name="Slide Number Placeholder 5"/>
           <p:cNvSpPr>
             <a:spLocks noGrp="1"/>
           </p:cNvSpPr>
@@ -932,7 +820,7 @@
     </p:spTree>
     <p:extLst>
       <p:ext uri="{BB962C8B-B14F-4D97-AF65-F5344CB8AC3E}">
-        <p14:creationId xmlns:p14="http://schemas.microsoft.com/office/powerpoint/2010/main" val="4097935738"/>
+        <p14:creationId xmlns:p14="http://schemas.microsoft.com/office/powerpoint/2010/main" val="1533482725"/>
       </p:ext>
     </p:extLst>
   </p:cSld>
@@ -961,13 +849,7 @@
       </p:grpSpPr>
       <p:sp>
         <p:nvSpPr>
-          <p:cNvPr id="2" name="Title 1">
-            <a:extLst>
-              <a:ext uri="{FF2B5EF4-FFF2-40B4-BE49-F238E27FC236}">
-                <a16:creationId xmlns:a16="http://schemas.microsoft.com/office/drawing/2014/main" id="{F6BF81C8-83A5-492F-A890-91E5DD6260D1}"/>
-              </a:ext>
-            </a:extLst>
-          </p:cNvPr>
+          <p:cNvPr id="2" name="Title 1"/>
           <p:cNvSpPr>
             <a:spLocks noGrp="1"/>
           </p:cNvSpPr>
@@ -993,18 +875,13 @@
               <a:rPr lang="en-US"/>
               <a:t>Click to edit Master title style</a:t>
             </a:r>
-          </a:p>
-        </p:txBody>
-      </p:sp>
-      <p:sp>
-        <p:nvSpPr>
-          <p:cNvPr id="3" name="Text Placeholder 2">
-            <a:extLst>
-              <a:ext uri="{FF2B5EF4-FFF2-40B4-BE49-F238E27FC236}">
-                <a16:creationId xmlns:a16="http://schemas.microsoft.com/office/drawing/2014/main" id="{E7DDB851-F1E7-4D19-9446-66F39EEC7C40}"/>
-              </a:ext>
-            </a:extLst>
-          </p:cNvPr>
+            <a:endParaRPr lang="en-US" dirty="0"/>
+          </a:p>
+        </p:txBody>
+      </p:sp>
+      <p:sp>
+        <p:nvSpPr>
+          <p:cNvPr id="3" name="Text Placeholder 2"/>
           <p:cNvSpPr>
             <a:spLocks noGrp="1"/>
           </p:cNvSpPr>
@@ -1123,13 +1000,7 @@
       </p:sp>
       <p:sp>
         <p:nvSpPr>
-          <p:cNvPr id="4" name="Date Placeholder 3">
-            <a:extLst>
-              <a:ext uri="{FF2B5EF4-FFF2-40B4-BE49-F238E27FC236}">
-                <a16:creationId xmlns:a16="http://schemas.microsoft.com/office/drawing/2014/main" id="{7CACF362-1E49-412A-863E-BEE720252DAC}"/>
-              </a:ext>
-            </a:extLst>
-          </p:cNvPr>
+          <p:cNvPr id="4" name="Date Placeholder 3"/>
           <p:cNvSpPr>
             <a:spLocks noGrp="1"/>
           </p:cNvSpPr>
@@ -1152,13 +1023,7 @@
       </p:sp>
       <p:sp>
         <p:nvSpPr>
-          <p:cNvPr id="5" name="Footer Placeholder 4">
-            <a:extLst>
-              <a:ext uri="{FF2B5EF4-FFF2-40B4-BE49-F238E27FC236}">
-                <a16:creationId xmlns:a16="http://schemas.microsoft.com/office/drawing/2014/main" id="{2718B9AA-F266-4690-8EA5-5C08AC94AAD6}"/>
-              </a:ext>
-            </a:extLst>
-          </p:cNvPr>
+          <p:cNvPr id="5" name="Footer Placeholder 4"/>
           <p:cNvSpPr>
             <a:spLocks noGrp="1"/>
           </p:cNvSpPr>
@@ -1177,13 +1042,7 @@
       </p:sp>
       <p:sp>
         <p:nvSpPr>
-          <p:cNvPr id="6" name="Slide Number Placeholder 5">
-            <a:extLst>
-              <a:ext uri="{FF2B5EF4-FFF2-40B4-BE49-F238E27FC236}">
-                <a16:creationId xmlns:a16="http://schemas.microsoft.com/office/drawing/2014/main" id="{CB15ED36-755D-4BF2-A96A-E53146742398}"/>
-              </a:ext>
-            </a:extLst>
-          </p:cNvPr>
+          <p:cNvPr id="6" name="Slide Number Placeholder 5"/>
           <p:cNvSpPr>
             <a:spLocks noGrp="1"/>
           </p:cNvSpPr>
@@ -1207,7 +1066,7 @@
     </p:spTree>
     <p:extLst>
       <p:ext uri="{BB962C8B-B14F-4D97-AF65-F5344CB8AC3E}">
-        <p14:creationId xmlns:p14="http://schemas.microsoft.com/office/powerpoint/2010/main" val="1058310224"/>
+        <p14:creationId xmlns:p14="http://schemas.microsoft.com/office/powerpoint/2010/main" val="3707997631"/>
       </p:ext>
     </p:extLst>
   </p:cSld>
@@ -1236,13 +1095,7 @@
       </p:grpSpPr>
       <p:sp>
         <p:nvSpPr>
-          <p:cNvPr id="2" name="Title 1">
-            <a:extLst>
-              <a:ext uri="{FF2B5EF4-FFF2-40B4-BE49-F238E27FC236}">
-                <a16:creationId xmlns:a16="http://schemas.microsoft.com/office/drawing/2014/main" id="{3779EBFF-11E3-456D-9E2C-211E444C8C28}"/>
-              </a:ext>
-            </a:extLst>
-          </p:cNvPr>
+          <p:cNvPr id="2" name="Title 1"/>
           <p:cNvSpPr>
             <a:spLocks noGrp="1"/>
           </p:cNvSpPr>
@@ -1259,18 +1112,13 @@
               <a:rPr lang="en-US"/>
               <a:t>Click to edit Master title style</a:t>
             </a:r>
-          </a:p>
-        </p:txBody>
-      </p:sp>
-      <p:sp>
-        <p:nvSpPr>
-          <p:cNvPr id="3" name="Content Placeholder 2">
-            <a:extLst>
-              <a:ext uri="{FF2B5EF4-FFF2-40B4-BE49-F238E27FC236}">
-                <a16:creationId xmlns:a16="http://schemas.microsoft.com/office/drawing/2014/main" id="{6A498E5C-7860-4059-8CEE-5FF847B652BD}"/>
-              </a:ext>
-            </a:extLst>
-          </p:cNvPr>
+            <a:endParaRPr lang="en-US" dirty="0"/>
+          </a:p>
+        </p:txBody>
+      </p:sp>
+      <p:sp>
+        <p:nvSpPr>
+          <p:cNvPr id="3" name="Content Placeholder 2"/>
           <p:cNvSpPr>
             <a:spLocks noGrp="1"/>
           </p:cNvSpPr>
@@ -1321,18 +1169,13 @@
               <a:rPr lang="en-US"/>
               <a:t>Fifth level</a:t>
             </a:r>
-          </a:p>
-        </p:txBody>
-      </p:sp>
-      <p:sp>
-        <p:nvSpPr>
-          <p:cNvPr id="4" name="Content Placeholder 3">
-            <a:extLst>
-              <a:ext uri="{FF2B5EF4-FFF2-40B4-BE49-F238E27FC236}">
-                <a16:creationId xmlns:a16="http://schemas.microsoft.com/office/drawing/2014/main" id="{9769387E-3918-490E-B73C-D366B31C957B}"/>
-              </a:ext>
-            </a:extLst>
-          </p:cNvPr>
+            <a:endParaRPr lang="en-US" dirty="0"/>
+          </a:p>
+        </p:txBody>
+      </p:sp>
+      <p:sp>
+        <p:nvSpPr>
+          <p:cNvPr id="4" name="Content Placeholder 3"/>
           <p:cNvSpPr>
             <a:spLocks noGrp="1"/>
           </p:cNvSpPr>
@@ -1383,18 +1226,13 @@
               <a:rPr lang="en-US"/>
               <a:t>Fifth level</a:t>
             </a:r>
-          </a:p>
-        </p:txBody>
-      </p:sp>
-      <p:sp>
-        <p:nvSpPr>
-          <p:cNvPr id="5" name="Date Placeholder 4">
-            <a:extLst>
-              <a:ext uri="{FF2B5EF4-FFF2-40B4-BE49-F238E27FC236}">
-                <a16:creationId xmlns:a16="http://schemas.microsoft.com/office/drawing/2014/main" id="{ABE15E38-A509-42C4-B3CA-A58D7CEE2A7B}"/>
-              </a:ext>
-            </a:extLst>
-          </p:cNvPr>
+            <a:endParaRPr lang="en-US" dirty="0"/>
+          </a:p>
+        </p:txBody>
+      </p:sp>
+      <p:sp>
+        <p:nvSpPr>
+          <p:cNvPr id="5" name="Date Placeholder 4"/>
           <p:cNvSpPr>
             <a:spLocks noGrp="1"/>
           </p:cNvSpPr>
@@ -1417,13 +1255,7 @@
       </p:sp>
       <p:sp>
         <p:nvSpPr>
-          <p:cNvPr id="6" name="Footer Placeholder 5">
-            <a:extLst>
-              <a:ext uri="{FF2B5EF4-FFF2-40B4-BE49-F238E27FC236}">
-                <a16:creationId xmlns:a16="http://schemas.microsoft.com/office/drawing/2014/main" id="{3707C25C-859F-4B9D-9595-F9FCB978F496}"/>
-              </a:ext>
-            </a:extLst>
-          </p:cNvPr>
+          <p:cNvPr id="6" name="Footer Placeholder 5"/>
           <p:cNvSpPr>
             <a:spLocks noGrp="1"/>
           </p:cNvSpPr>
@@ -1442,13 +1274,7 @@
       </p:sp>
       <p:sp>
         <p:nvSpPr>
-          <p:cNvPr id="7" name="Slide Number Placeholder 6">
-            <a:extLst>
-              <a:ext uri="{FF2B5EF4-FFF2-40B4-BE49-F238E27FC236}">
-                <a16:creationId xmlns:a16="http://schemas.microsoft.com/office/drawing/2014/main" id="{D046117D-7984-4AE3-B7DE-AB8B6D278DFD}"/>
-              </a:ext>
-            </a:extLst>
-          </p:cNvPr>
+          <p:cNvPr id="7" name="Slide Number Placeholder 6"/>
           <p:cNvSpPr>
             <a:spLocks noGrp="1"/>
           </p:cNvSpPr>
@@ -1472,7 +1298,7 @@
     </p:spTree>
     <p:extLst>
       <p:ext uri="{BB962C8B-B14F-4D97-AF65-F5344CB8AC3E}">
-        <p14:creationId xmlns:p14="http://schemas.microsoft.com/office/powerpoint/2010/main" val="678292064"/>
+        <p14:creationId xmlns:p14="http://schemas.microsoft.com/office/powerpoint/2010/main" val="2351683137"/>
       </p:ext>
     </p:extLst>
   </p:cSld>
@@ -1501,13 +1327,7 @@
       </p:grpSpPr>
       <p:sp>
         <p:nvSpPr>
-          <p:cNvPr id="2" name="Title 1">
-            <a:extLst>
-              <a:ext uri="{FF2B5EF4-FFF2-40B4-BE49-F238E27FC236}">
-                <a16:creationId xmlns:a16="http://schemas.microsoft.com/office/drawing/2014/main" id="{0BC4C3D4-3A46-4CB0-823A-C5D9AD4A932D}"/>
-              </a:ext>
-            </a:extLst>
-          </p:cNvPr>
+          <p:cNvPr id="2" name="Title 1"/>
           <p:cNvSpPr>
             <a:spLocks noGrp="1"/>
           </p:cNvSpPr>
@@ -1529,18 +1349,13 @@
               <a:rPr lang="en-US"/>
               <a:t>Click to edit Master title style</a:t>
             </a:r>
-          </a:p>
-        </p:txBody>
-      </p:sp>
-      <p:sp>
-        <p:nvSpPr>
-          <p:cNvPr id="3" name="Text Placeholder 2">
-            <a:extLst>
-              <a:ext uri="{FF2B5EF4-FFF2-40B4-BE49-F238E27FC236}">
-                <a16:creationId xmlns:a16="http://schemas.microsoft.com/office/drawing/2014/main" id="{3AD8A2CA-9F7E-4B8B-8B12-BB6D275C1B45}"/>
-              </a:ext>
-            </a:extLst>
-          </p:cNvPr>
+            <a:endParaRPr lang="en-US" dirty="0"/>
+          </a:p>
+        </p:txBody>
+      </p:sp>
+      <p:sp>
+        <p:nvSpPr>
+          <p:cNvPr id="3" name="Text Placeholder 2"/>
           <p:cNvSpPr>
             <a:spLocks noGrp="1"/>
           </p:cNvSpPr>
@@ -1605,13 +1420,7 @@
       </p:sp>
       <p:sp>
         <p:nvSpPr>
-          <p:cNvPr id="4" name="Content Placeholder 3">
-            <a:extLst>
-              <a:ext uri="{FF2B5EF4-FFF2-40B4-BE49-F238E27FC236}">
-                <a16:creationId xmlns:a16="http://schemas.microsoft.com/office/drawing/2014/main" id="{F5AB2A85-00E3-475B-A13C-C2184ADBBB2C}"/>
-              </a:ext>
-            </a:extLst>
-          </p:cNvPr>
+          <p:cNvPr id="4" name="Content Placeholder 3"/>
           <p:cNvSpPr>
             <a:spLocks noGrp="1"/>
           </p:cNvSpPr>
@@ -1662,18 +1471,13 @@
               <a:rPr lang="en-US"/>
               <a:t>Fifth level</a:t>
             </a:r>
-          </a:p>
-        </p:txBody>
-      </p:sp>
-      <p:sp>
-        <p:nvSpPr>
-          <p:cNvPr id="5" name="Text Placeholder 4">
-            <a:extLst>
-              <a:ext uri="{FF2B5EF4-FFF2-40B4-BE49-F238E27FC236}">
-                <a16:creationId xmlns:a16="http://schemas.microsoft.com/office/drawing/2014/main" id="{7FD9F3D4-F64C-461D-8465-802276219185}"/>
-              </a:ext>
-            </a:extLst>
-          </p:cNvPr>
+            <a:endParaRPr lang="en-US" dirty="0"/>
+          </a:p>
+        </p:txBody>
+      </p:sp>
+      <p:sp>
+        <p:nvSpPr>
+          <p:cNvPr id="5" name="Text Placeholder 4"/>
           <p:cNvSpPr>
             <a:spLocks noGrp="1"/>
           </p:cNvSpPr>
@@ -1738,13 +1542,7 @@
       </p:sp>
       <p:sp>
         <p:nvSpPr>
-          <p:cNvPr id="6" name="Content Placeholder 5">
-            <a:extLst>
-              <a:ext uri="{FF2B5EF4-FFF2-40B4-BE49-F238E27FC236}">
-                <a16:creationId xmlns:a16="http://schemas.microsoft.com/office/drawing/2014/main" id="{2011D7B9-B2AE-4FB2-8970-4EAF93EB867B}"/>
-              </a:ext>
-            </a:extLst>
-          </p:cNvPr>
+          <p:cNvPr id="6" name="Content Placeholder 5"/>
           <p:cNvSpPr>
             <a:spLocks noGrp="1"/>
           </p:cNvSpPr>
@@ -1795,18 +1593,13 @@
               <a:rPr lang="en-US"/>
               <a:t>Fifth level</a:t>
             </a:r>
-          </a:p>
-        </p:txBody>
-      </p:sp>
-      <p:sp>
-        <p:nvSpPr>
-          <p:cNvPr id="7" name="Date Placeholder 6">
-            <a:extLst>
-              <a:ext uri="{FF2B5EF4-FFF2-40B4-BE49-F238E27FC236}">
-                <a16:creationId xmlns:a16="http://schemas.microsoft.com/office/drawing/2014/main" id="{F08F3BC8-A242-4C3A-9268-371F47F36020}"/>
-              </a:ext>
-            </a:extLst>
-          </p:cNvPr>
+            <a:endParaRPr lang="en-US" dirty="0"/>
+          </a:p>
+        </p:txBody>
+      </p:sp>
+      <p:sp>
+        <p:nvSpPr>
+          <p:cNvPr id="7" name="Date Placeholder 6"/>
           <p:cNvSpPr>
             <a:spLocks noGrp="1"/>
           </p:cNvSpPr>
@@ -1829,13 +1622,7 @@
       </p:sp>
       <p:sp>
         <p:nvSpPr>
-          <p:cNvPr id="8" name="Footer Placeholder 7">
-            <a:extLst>
-              <a:ext uri="{FF2B5EF4-FFF2-40B4-BE49-F238E27FC236}">
-                <a16:creationId xmlns:a16="http://schemas.microsoft.com/office/drawing/2014/main" id="{631FCF30-FD68-4C4D-9186-F8917030ABE0}"/>
-              </a:ext>
-            </a:extLst>
-          </p:cNvPr>
+          <p:cNvPr id="8" name="Footer Placeholder 7"/>
           <p:cNvSpPr>
             <a:spLocks noGrp="1"/>
           </p:cNvSpPr>
@@ -1854,13 +1641,7 @@
       </p:sp>
       <p:sp>
         <p:nvSpPr>
-          <p:cNvPr id="9" name="Slide Number Placeholder 8">
-            <a:extLst>
-              <a:ext uri="{FF2B5EF4-FFF2-40B4-BE49-F238E27FC236}">
-                <a16:creationId xmlns:a16="http://schemas.microsoft.com/office/drawing/2014/main" id="{28247451-44F9-4651-A47E-33FBCAE7036C}"/>
-              </a:ext>
-            </a:extLst>
-          </p:cNvPr>
+          <p:cNvPr id="9" name="Slide Number Placeholder 8"/>
           <p:cNvSpPr>
             <a:spLocks noGrp="1"/>
           </p:cNvSpPr>
@@ -1884,7 +1665,7 @@
     </p:spTree>
     <p:extLst>
       <p:ext uri="{BB962C8B-B14F-4D97-AF65-F5344CB8AC3E}">
-        <p14:creationId xmlns:p14="http://schemas.microsoft.com/office/powerpoint/2010/main" val="491429385"/>
+        <p14:creationId xmlns:p14="http://schemas.microsoft.com/office/powerpoint/2010/main" val="1391369343"/>
       </p:ext>
     </p:extLst>
   </p:cSld>
@@ -1913,13 +1694,7 @@
       </p:grpSpPr>
       <p:sp>
         <p:nvSpPr>
-          <p:cNvPr id="2" name="Title 1">
-            <a:extLst>
-              <a:ext uri="{FF2B5EF4-FFF2-40B4-BE49-F238E27FC236}">
-                <a16:creationId xmlns:a16="http://schemas.microsoft.com/office/drawing/2014/main" id="{086D1135-7D28-4F81-80CF-9DB45B38CB28}"/>
-              </a:ext>
-            </a:extLst>
-          </p:cNvPr>
+          <p:cNvPr id="2" name="Title 1"/>
           <p:cNvSpPr>
             <a:spLocks noGrp="1"/>
           </p:cNvSpPr>
@@ -1936,18 +1711,13 @@
               <a:rPr lang="en-US"/>
               <a:t>Click to edit Master title style</a:t>
             </a:r>
-          </a:p>
-        </p:txBody>
-      </p:sp>
-      <p:sp>
-        <p:nvSpPr>
-          <p:cNvPr id="3" name="Date Placeholder 2">
-            <a:extLst>
-              <a:ext uri="{FF2B5EF4-FFF2-40B4-BE49-F238E27FC236}">
-                <a16:creationId xmlns:a16="http://schemas.microsoft.com/office/drawing/2014/main" id="{8B2F79DB-EEC2-4185-9A7C-1F4806CD01BE}"/>
-              </a:ext>
-            </a:extLst>
-          </p:cNvPr>
+            <a:endParaRPr lang="en-US" dirty="0"/>
+          </a:p>
+        </p:txBody>
+      </p:sp>
+      <p:sp>
+        <p:nvSpPr>
+          <p:cNvPr id="3" name="Date Placeholder 2"/>
           <p:cNvSpPr>
             <a:spLocks noGrp="1"/>
           </p:cNvSpPr>
@@ -1970,13 +1740,7 @@
       </p:sp>
       <p:sp>
         <p:nvSpPr>
-          <p:cNvPr id="4" name="Footer Placeholder 3">
-            <a:extLst>
-              <a:ext uri="{FF2B5EF4-FFF2-40B4-BE49-F238E27FC236}">
-                <a16:creationId xmlns:a16="http://schemas.microsoft.com/office/drawing/2014/main" id="{FC48666D-2100-44F6-95D8-2E912702C252}"/>
-              </a:ext>
-            </a:extLst>
-          </p:cNvPr>
+          <p:cNvPr id="4" name="Footer Placeholder 3"/>
           <p:cNvSpPr>
             <a:spLocks noGrp="1"/>
           </p:cNvSpPr>
@@ -1995,13 +1759,7 @@
       </p:sp>
       <p:sp>
         <p:nvSpPr>
-          <p:cNvPr id="5" name="Slide Number Placeholder 4">
-            <a:extLst>
-              <a:ext uri="{FF2B5EF4-FFF2-40B4-BE49-F238E27FC236}">
-                <a16:creationId xmlns:a16="http://schemas.microsoft.com/office/drawing/2014/main" id="{5EB1A398-79BE-40E1-A6A7-A2B28B24A0ED}"/>
-              </a:ext>
-            </a:extLst>
-          </p:cNvPr>
+          <p:cNvPr id="5" name="Slide Number Placeholder 4"/>
           <p:cNvSpPr>
             <a:spLocks noGrp="1"/>
           </p:cNvSpPr>
@@ -2025,7 +1783,7 @@
     </p:spTree>
     <p:extLst>
       <p:ext uri="{BB962C8B-B14F-4D97-AF65-F5344CB8AC3E}">
-        <p14:creationId xmlns:p14="http://schemas.microsoft.com/office/powerpoint/2010/main" val="3805990382"/>
+        <p14:creationId xmlns:p14="http://schemas.microsoft.com/office/powerpoint/2010/main" val="500054909"/>
       </p:ext>
     </p:extLst>
   </p:cSld>
@@ -2054,13 +1812,7 @@
       </p:grpSpPr>
       <p:sp>
         <p:nvSpPr>
-          <p:cNvPr id="2" name="Date Placeholder 1">
-            <a:extLst>
-              <a:ext uri="{FF2B5EF4-FFF2-40B4-BE49-F238E27FC236}">
-                <a16:creationId xmlns:a16="http://schemas.microsoft.com/office/drawing/2014/main" id="{200910D4-B925-4348-A955-EB57E2DB87BD}"/>
-              </a:ext>
-            </a:extLst>
-          </p:cNvPr>
+          <p:cNvPr id="2" name="Date Placeholder 1"/>
           <p:cNvSpPr>
             <a:spLocks noGrp="1"/>
           </p:cNvSpPr>
@@ -2083,13 +1835,7 @@
       </p:sp>
       <p:sp>
         <p:nvSpPr>
-          <p:cNvPr id="3" name="Footer Placeholder 2">
-            <a:extLst>
-              <a:ext uri="{FF2B5EF4-FFF2-40B4-BE49-F238E27FC236}">
-                <a16:creationId xmlns:a16="http://schemas.microsoft.com/office/drawing/2014/main" id="{7C3F78AA-BCE4-422C-B14C-A9DF0B3A161F}"/>
-              </a:ext>
-            </a:extLst>
-          </p:cNvPr>
+          <p:cNvPr id="3" name="Footer Placeholder 2"/>
           <p:cNvSpPr>
             <a:spLocks noGrp="1"/>
           </p:cNvSpPr>
@@ -2108,13 +1854,7 @@
       </p:sp>
       <p:sp>
         <p:nvSpPr>
-          <p:cNvPr id="4" name="Slide Number Placeholder 3">
-            <a:extLst>
-              <a:ext uri="{FF2B5EF4-FFF2-40B4-BE49-F238E27FC236}">
-                <a16:creationId xmlns:a16="http://schemas.microsoft.com/office/drawing/2014/main" id="{B3994F00-F3C8-44D6-97CE-6EBFE3BD4F4A}"/>
-              </a:ext>
-            </a:extLst>
-          </p:cNvPr>
+          <p:cNvPr id="4" name="Slide Number Placeholder 3"/>
           <p:cNvSpPr>
             <a:spLocks noGrp="1"/>
           </p:cNvSpPr>
@@ -2138,7 +1878,7 @@
     </p:spTree>
     <p:extLst>
       <p:ext uri="{BB962C8B-B14F-4D97-AF65-F5344CB8AC3E}">
-        <p14:creationId xmlns:p14="http://schemas.microsoft.com/office/powerpoint/2010/main" val="3176034244"/>
+        <p14:creationId xmlns:p14="http://schemas.microsoft.com/office/powerpoint/2010/main" val="792425771"/>
       </p:ext>
     </p:extLst>
   </p:cSld>
@@ -2167,13 +1907,7 @@
       </p:grpSpPr>
       <p:sp>
         <p:nvSpPr>
-          <p:cNvPr id="2" name="Title 1">
-            <a:extLst>
-              <a:ext uri="{FF2B5EF4-FFF2-40B4-BE49-F238E27FC236}">
-                <a16:creationId xmlns:a16="http://schemas.microsoft.com/office/drawing/2014/main" id="{5234A293-5B90-433E-8194-0DCD7C8773E2}"/>
-              </a:ext>
-            </a:extLst>
-          </p:cNvPr>
+          <p:cNvPr id="2" name="Title 1"/>
           <p:cNvSpPr>
             <a:spLocks noGrp="1"/>
           </p:cNvSpPr>
@@ -2199,18 +1933,13 @@
               <a:rPr lang="en-US"/>
               <a:t>Click to edit Master title style</a:t>
             </a:r>
-          </a:p>
-        </p:txBody>
-      </p:sp>
-      <p:sp>
-        <p:nvSpPr>
-          <p:cNvPr id="3" name="Content Placeholder 2">
-            <a:extLst>
-              <a:ext uri="{FF2B5EF4-FFF2-40B4-BE49-F238E27FC236}">
-                <a16:creationId xmlns:a16="http://schemas.microsoft.com/office/drawing/2014/main" id="{880BD4DF-0221-4C36-A690-8CEC548D092B}"/>
-              </a:ext>
-            </a:extLst>
-          </p:cNvPr>
+            <a:endParaRPr lang="en-US" dirty="0"/>
+          </a:p>
+        </p:txBody>
+      </p:sp>
+      <p:sp>
+        <p:nvSpPr>
+          <p:cNvPr id="3" name="Content Placeholder 2"/>
           <p:cNvSpPr>
             <a:spLocks noGrp="1"/>
           </p:cNvSpPr>
@@ -2289,18 +2018,13 @@
               <a:rPr lang="en-US"/>
               <a:t>Fifth level</a:t>
             </a:r>
-          </a:p>
-        </p:txBody>
-      </p:sp>
-      <p:sp>
-        <p:nvSpPr>
-          <p:cNvPr id="4" name="Text Placeholder 3">
-            <a:extLst>
-              <a:ext uri="{FF2B5EF4-FFF2-40B4-BE49-F238E27FC236}">
-                <a16:creationId xmlns:a16="http://schemas.microsoft.com/office/drawing/2014/main" id="{D8D06CB6-6904-4271-A71D-D99DCEF24F00}"/>
-              </a:ext>
-            </a:extLst>
-          </p:cNvPr>
+            <a:endParaRPr lang="en-US" dirty="0"/>
+          </a:p>
+        </p:txBody>
+      </p:sp>
+      <p:sp>
+        <p:nvSpPr>
+          <p:cNvPr id="4" name="Text Placeholder 3"/>
           <p:cNvSpPr>
             <a:spLocks noGrp="1"/>
           </p:cNvSpPr>
@@ -2365,13 +2089,7 @@
       </p:sp>
       <p:sp>
         <p:nvSpPr>
-          <p:cNvPr id="5" name="Date Placeholder 4">
-            <a:extLst>
-              <a:ext uri="{FF2B5EF4-FFF2-40B4-BE49-F238E27FC236}">
-                <a16:creationId xmlns:a16="http://schemas.microsoft.com/office/drawing/2014/main" id="{5F54DEFD-A2CE-4DA2-AC7F-0C04033CBB89}"/>
-              </a:ext>
-            </a:extLst>
-          </p:cNvPr>
+          <p:cNvPr id="5" name="Date Placeholder 4"/>
           <p:cNvSpPr>
             <a:spLocks noGrp="1"/>
           </p:cNvSpPr>
@@ -2394,13 +2112,7 @@
       </p:sp>
       <p:sp>
         <p:nvSpPr>
-          <p:cNvPr id="6" name="Footer Placeholder 5">
-            <a:extLst>
-              <a:ext uri="{FF2B5EF4-FFF2-40B4-BE49-F238E27FC236}">
-                <a16:creationId xmlns:a16="http://schemas.microsoft.com/office/drawing/2014/main" id="{2621FE94-D396-46CF-A228-1B1B9BF81B3C}"/>
-              </a:ext>
-            </a:extLst>
-          </p:cNvPr>
+          <p:cNvPr id="6" name="Footer Placeholder 5"/>
           <p:cNvSpPr>
             <a:spLocks noGrp="1"/>
           </p:cNvSpPr>
@@ -2419,13 +2131,7 @@
       </p:sp>
       <p:sp>
         <p:nvSpPr>
-          <p:cNvPr id="7" name="Slide Number Placeholder 6">
-            <a:extLst>
-              <a:ext uri="{FF2B5EF4-FFF2-40B4-BE49-F238E27FC236}">
-                <a16:creationId xmlns:a16="http://schemas.microsoft.com/office/drawing/2014/main" id="{B0C01538-914E-431E-8B65-2C276F9F07B6}"/>
-              </a:ext>
-            </a:extLst>
-          </p:cNvPr>
+          <p:cNvPr id="7" name="Slide Number Placeholder 6"/>
           <p:cNvSpPr>
             <a:spLocks noGrp="1"/>
           </p:cNvSpPr>
@@ -2449,7 +2155,7 @@
     </p:spTree>
     <p:extLst>
       <p:ext uri="{BB962C8B-B14F-4D97-AF65-F5344CB8AC3E}">
-        <p14:creationId xmlns:p14="http://schemas.microsoft.com/office/powerpoint/2010/main" val="719883231"/>
+        <p14:creationId xmlns:p14="http://schemas.microsoft.com/office/powerpoint/2010/main" val="3142749965"/>
       </p:ext>
     </p:extLst>
   </p:cSld>
@@ -2478,13 +2184,7 @@
       </p:grpSpPr>
       <p:sp>
         <p:nvSpPr>
-          <p:cNvPr id="2" name="Title 1">
-            <a:extLst>
-              <a:ext uri="{FF2B5EF4-FFF2-40B4-BE49-F238E27FC236}">
-                <a16:creationId xmlns:a16="http://schemas.microsoft.com/office/drawing/2014/main" id="{133A1D4D-4C59-4D50-ACC2-274EC679FDC0}"/>
-              </a:ext>
-            </a:extLst>
-          </p:cNvPr>
+          <p:cNvPr id="2" name="Title 1"/>
           <p:cNvSpPr>
             <a:spLocks noGrp="1"/>
           </p:cNvSpPr>
@@ -2510,20 +2210,15 @@
               <a:rPr lang="en-US"/>
               <a:t>Click to edit Master title style</a:t>
             </a:r>
-          </a:p>
-        </p:txBody>
-      </p:sp>
-      <p:sp>
-        <p:nvSpPr>
-          <p:cNvPr id="3" name="Picture Placeholder 2">
-            <a:extLst>
-              <a:ext uri="{FF2B5EF4-FFF2-40B4-BE49-F238E27FC236}">
-                <a16:creationId xmlns:a16="http://schemas.microsoft.com/office/drawing/2014/main" id="{D70E8EF4-C2C2-43C5-B083-B8DDD59CF491}"/>
-              </a:ext>
-            </a:extLst>
-          </p:cNvPr>
-          <p:cNvSpPr>
-            <a:spLocks noGrp="1"/>
+            <a:endParaRPr lang="en-US" dirty="0"/>
+          </a:p>
+        </p:txBody>
+      </p:sp>
+      <p:sp>
+        <p:nvSpPr>
+          <p:cNvPr id="3" name="Picture Placeholder 2"/>
+          <p:cNvSpPr>
+            <a:spLocks noGrp="1" noChangeAspect="1"/>
           </p:cNvSpPr>
           <p:nvPr>
             <p:ph type="pic" idx="1"/>
@@ -2536,7 +2231,7 @@
           </a:xfrm>
         </p:spPr>
         <p:txBody>
-          <a:bodyPr/>
+          <a:bodyPr anchor="t"/>
           <a:lstStyle>
             <a:lvl1pPr marL="0" indent="0">
               <a:buNone/>
@@ -2576,19 +2271,17 @@
             </a:lvl9pPr>
           </a:lstStyle>
           <a:p>
-            <a:endParaRPr lang="en-US"/>
-          </a:p>
-        </p:txBody>
-      </p:sp>
-      <p:sp>
-        <p:nvSpPr>
-          <p:cNvPr id="4" name="Text Placeholder 3">
-            <a:extLst>
-              <a:ext uri="{FF2B5EF4-FFF2-40B4-BE49-F238E27FC236}">
-                <a16:creationId xmlns:a16="http://schemas.microsoft.com/office/drawing/2014/main" id="{EBD60284-A8E7-4E28-8BFB-8F7D71D50A50}"/>
-              </a:ext>
-            </a:extLst>
-          </p:cNvPr>
+            <a:r>
+              <a:rPr lang="en-US"/>
+              <a:t>Click icon to add picture</a:t>
+            </a:r>
+            <a:endParaRPr lang="en-US" dirty="0"/>
+          </a:p>
+        </p:txBody>
+      </p:sp>
+      <p:sp>
+        <p:nvSpPr>
+          <p:cNvPr id="4" name="Text Placeholder 3"/>
           <p:cNvSpPr>
             <a:spLocks noGrp="1"/>
           </p:cNvSpPr>
@@ -2653,13 +2346,7 @@
       </p:sp>
       <p:sp>
         <p:nvSpPr>
-          <p:cNvPr id="5" name="Date Placeholder 4">
-            <a:extLst>
-              <a:ext uri="{FF2B5EF4-FFF2-40B4-BE49-F238E27FC236}">
-                <a16:creationId xmlns:a16="http://schemas.microsoft.com/office/drawing/2014/main" id="{1A8C4E13-FB4C-4232-B9DC-4582E0E2C756}"/>
-              </a:ext>
-            </a:extLst>
-          </p:cNvPr>
+          <p:cNvPr id="5" name="Date Placeholder 4"/>
           <p:cNvSpPr>
             <a:spLocks noGrp="1"/>
           </p:cNvSpPr>
@@ -2682,13 +2369,7 @@
       </p:sp>
       <p:sp>
         <p:nvSpPr>
-          <p:cNvPr id="6" name="Footer Placeholder 5">
-            <a:extLst>
-              <a:ext uri="{FF2B5EF4-FFF2-40B4-BE49-F238E27FC236}">
-                <a16:creationId xmlns:a16="http://schemas.microsoft.com/office/drawing/2014/main" id="{F55358F0-EBED-4DB9-AC6D-24C65685EB63}"/>
-              </a:ext>
-            </a:extLst>
-          </p:cNvPr>
+          <p:cNvPr id="6" name="Footer Placeholder 5"/>
           <p:cNvSpPr>
             <a:spLocks noGrp="1"/>
           </p:cNvSpPr>
@@ -2707,13 +2388,7 @@
       </p:sp>
       <p:sp>
         <p:nvSpPr>
-          <p:cNvPr id="7" name="Slide Number Placeholder 6">
-            <a:extLst>
-              <a:ext uri="{FF2B5EF4-FFF2-40B4-BE49-F238E27FC236}">
-                <a16:creationId xmlns:a16="http://schemas.microsoft.com/office/drawing/2014/main" id="{3F69FDFD-0FFB-4B71-8AF8-B6E864EB4D92}"/>
-              </a:ext>
-            </a:extLst>
-          </p:cNvPr>
+          <p:cNvPr id="7" name="Slide Number Placeholder 6"/>
           <p:cNvSpPr>
             <a:spLocks noGrp="1"/>
           </p:cNvSpPr>
@@ -2737,7 +2412,7 @@
     </p:spTree>
     <p:extLst>
       <p:ext uri="{BB962C8B-B14F-4D97-AF65-F5344CB8AC3E}">
-        <p14:creationId xmlns:p14="http://schemas.microsoft.com/office/powerpoint/2010/main" val="2616831245"/>
+        <p14:creationId xmlns:p14="http://schemas.microsoft.com/office/powerpoint/2010/main" val="2067962315"/>
       </p:ext>
     </p:extLst>
   </p:cSld>
@@ -2771,13 +2446,7 @@
       </p:grpSpPr>
       <p:sp>
         <p:nvSpPr>
-          <p:cNvPr id="2" name="Title Placeholder 1">
-            <a:extLst>
-              <a:ext uri="{FF2B5EF4-FFF2-40B4-BE49-F238E27FC236}">
-                <a16:creationId xmlns:a16="http://schemas.microsoft.com/office/drawing/2014/main" id="{79A4C1AC-9D63-435B-94C2-F97EF75500C3}"/>
-              </a:ext>
-            </a:extLst>
-          </p:cNvPr>
+          <p:cNvPr id="2" name="Title Placeholder 1"/>
           <p:cNvSpPr>
             <a:spLocks noGrp="1"/>
           </p:cNvSpPr>
@@ -2804,18 +2473,13 @@
               <a:rPr lang="en-US"/>
               <a:t>Click to edit Master title style</a:t>
             </a:r>
-          </a:p>
-        </p:txBody>
-      </p:sp>
-      <p:sp>
-        <p:nvSpPr>
-          <p:cNvPr id="3" name="Text Placeholder 2">
-            <a:extLst>
-              <a:ext uri="{FF2B5EF4-FFF2-40B4-BE49-F238E27FC236}">
-                <a16:creationId xmlns:a16="http://schemas.microsoft.com/office/drawing/2014/main" id="{A654990B-7FBF-4198-BDE7-8529E2BF08F2}"/>
-              </a:ext>
-            </a:extLst>
-          </p:cNvPr>
+            <a:endParaRPr lang="en-US" dirty="0"/>
+          </a:p>
+        </p:txBody>
+      </p:sp>
+      <p:sp>
+        <p:nvSpPr>
+          <p:cNvPr id="3" name="Text Placeholder 2"/>
           <p:cNvSpPr>
             <a:spLocks noGrp="1"/>
           </p:cNvSpPr>
@@ -2871,18 +2535,13 @@
               <a:rPr lang="en-US"/>
               <a:t>Fifth level</a:t>
             </a:r>
-          </a:p>
-        </p:txBody>
-      </p:sp>
-      <p:sp>
-        <p:nvSpPr>
-          <p:cNvPr id="4" name="Date Placeholder 3">
-            <a:extLst>
-              <a:ext uri="{FF2B5EF4-FFF2-40B4-BE49-F238E27FC236}">
-                <a16:creationId xmlns:a16="http://schemas.microsoft.com/office/drawing/2014/main" id="{AEDF92A3-4E6F-4C45-9213-15C26EDAF97D}"/>
-              </a:ext>
-            </a:extLst>
-          </p:cNvPr>
+            <a:endParaRPr lang="en-US" dirty="0"/>
+          </a:p>
+        </p:txBody>
+      </p:sp>
+      <p:sp>
+        <p:nvSpPr>
+          <p:cNvPr id="4" name="Date Placeholder 3"/>
           <p:cNvSpPr>
             <a:spLocks noGrp="1"/>
           </p:cNvSpPr>
@@ -2923,13 +2582,7 @@
       </p:sp>
       <p:sp>
         <p:nvSpPr>
-          <p:cNvPr id="5" name="Footer Placeholder 4">
-            <a:extLst>
-              <a:ext uri="{FF2B5EF4-FFF2-40B4-BE49-F238E27FC236}">
-                <a16:creationId xmlns:a16="http://schemas.microsoft.com/office/drawing/2014/main" id="{5D8A2F6D-E17D-47B1-9E73-1C40AB2F4400}"/>
-              </a:ext>
-            </a:extLst>
-          </p:cNvPr>
+          <p:cNvPr id="5" name="Footer Placeholder 4"/>
           <p:cNvSpPr>
             <a:spLocks noGrp="1"/>
           </p:cNvSpPr>
@@ -2966,13 +2619,7 @@
       </p:sp>
       <p:sp>
         <p:nvSpPr>
-          <p:cNvPr id="6" name="Slide Number Placeholder 5">
-            <a:extLst>
-              <a:ext uri="{FF2B5EF4-FFF2-40B4-BE49-F238E27FC236}">
-                <a16:creationId xmlns:a16="http://schemas.microsoft.com/office/drawing/2014/main" id="{FF918FE3-460C-4E56-88A0-EFCA499066DE}"/>
-              </a:ext>
-            </a:extLst>
-          </p:cNvPr>
+          <p:cNvPr id="6" name="Slide Number Placeholder 5"/>
           <p:cNvSpPr>
             <a:spLocks noGrp="1"/>
           </p:cNvSpPr>
@@ -3014,23 +2661,23 @@
     </p:spTree>
     <p:extLst>
       <p:ext uri="{BB962C8B-B14F-4D97-AF65-F5344CB8AC3E}">
-        <p14:creationId xmlns:p14="http://schemas.microsoft.com/office/powerpoint/2010/main" val="4209265327"/>
+        <p14:creationId xmlns:p14="http://schemas.microsoft.com/office/powerpoint/2010/main" val="2659887195"/>
       </p:ext>
     </p:extLst>
   </p:cSld>
-  <p:clrMap bg1="lt1" tx1="dk1" bg2="lt2" tx2="dk2" accent1="accent1" accent2="accent2" accent3="accent3" accent4="accent4" accent5="accent5" accent6="accent6" hlink="hlink" folHlink="folHlink"/>
+  <p:clrMap bg1="dk1" tx1="lt1" bg2="dk2" tx2="lt2" accent1="accent1" accent2="accent2" accent3="accent3" accent4="accent4" accent5="accent5" accent6="accent6" hlink="hlink" folHlink="folHlink"/>
   <p:sldLayoutIdLst>
-    <p:sldLayoutId id="2147483649" r:id="rId1"/>
-    <p:sldLayoutId id="2147483650" r:id="rId2"/>
-    <p:sldLayoutId id="2147483651" r:id="rId3"/>
-    <p:sldLayoutId id="2147483652" r:id="rId4"/>
-    <p:sldLayoutId id="2147483653" r:id="rId5"/>
-    <p:sldLayoutId id="2147483654" r:id="rId6"/>
-    <p:sldLayoutId id="2147483655" r:id="rId7"/>
-    <p:sldLayoutId id="2147483656" r:id="rId8"/>
-    <p:sldLayoutId id="2147483657" r:id="rId9"/>
-    <p:sldLayoutId id="2147483658" r:id="rId10"/>
-    <p:sldLayoutId id="2147483659" r:id="rId11"/>
+    <p:sldLayoutId id="2147483661" r:id="rId1"/>
+    <p:sldLayoutId id="2147483662" r:id="rId2"/>
+    <p:sldLayoutId id="2147483663" r:id="rId3"/>
+    <p:sldLayoutId id="2147483664" r:id="rId4"/>
+    <p:sldLayoutId id="2147483665" r:id="rId5"/>
+    <p:sldLayoutId id="2147483666" r:id="rId6"/>
+    <p:sldLayoutId id="2147483667" r:id="rId7"/>
+    <p:sldLayoutId id="2147483668" r:id="rId8"/>
+    <p:sldLayoutId id="2147483669" r:id="rId9"/>
+    <p:sldLayoutId id="2147483670" r:id="rId10"/>
+    <p:sldLayoutId id="2147483671" r:id="rId11"/>
   </p:sldLayoutIdLst>
   <p:txStyles>
     <p:titleStyle>
@@ -3599,7 +3246,7 @@
           <a:p>
             <a:r>
               <a:rPr lang="en-US" dirty="0"/>
-              <a:t>Massive amount of automation</a:t>
+              <a:t>7 developers</a:t>
             </a:r>
           </a:p>
           <a:p>
@@ -4137,7 +3784,7 @@
 <file path=ppt/theme/theme1.xml><?xml version="1.0" encoding="utf-8"?>
 <a:theme xmlns:a="http://schemas.openxmlformats.org/drawingml/2006/main" name="Office Theme">
   <a:themeElements>
-    <a:clrScheme name="Office">
+    <a:clrScheme name="Office Theme">
       <a:dk1>
         <a:sysClr val="windowText" lastClr="000000"/>
       </a:dk1>
@@ -4175,7 +3822,7 @@
         <a:srgbClr val="954F72"/>
       </a:folHlink>
     </a:clrScheme>
-    <a:fontScheme name="Office">
+    <a:fontScheme name="Office Theme">
       <a:majorFont>
         <a:latin typeface="Calibri Light" panose="020F0302020204030204"/>
         <a:ea typeface=""/>
@@ -4210,23 +3857,6 @@
         <a:font script="Viet" typeface="Times New Roman"/>
         <a:font script="Uigh" typeface="Microsoft Uighur"/>
         <a:font script="Geor" typeface="Sylfaen"/>
-        <a:font script="Armn" typeface="Arial"/>
-        <a:font script="Bugi" typeface="Leelawadee UI"/>
-        <a:font script="Bopo" typeface="Microsoft JhengHei"/>
-        <a:font script="Java" typeface="Javanese Text"/>
-        <a:font script="Lisu" typeface="Segoe UI"/>
-        <a:font script="Mymr" typeface="Myanmar Text"/>
-        <a:font script="Nkoo" typeface="Ebrima"/>
-        <a:font script="Olck" typeface="Nirmala UI"/>
-        <a:font script="Osma" typeface="Ebrima"/>
-        <a:font script="Phag" typeface="Phagspa"/>
-        <a:font script="Syrn" typeface="Estrangelo Edessa"/>
-        <a:font script="Syrj" typeface="Estrangelo Edessa"/>
-        <a:font script="Syre" typeface="Estrangelo Edessa"/>
-        <a:font script="Sora" typeface="Nirmala UI"/>
-        <a:font script="Tale" typeface="Microsoft Tai Le"/>
-        <a:font script="Talu" typeface="Microsoft New Tai Lue"/>
-        <a:font script="Tfng" typeface="Ebrima"/>
       </a:majorFont>
       <a:minorFont>
         <a:latin typeface="Calibri" panose="020F0502020204030204"/>
@@ -4262,26 +3892,9 @@
         <a:font script="Viet" typeface="Arial"/>
         <a:font script="Uigh" typeface="Microsoft Uighur"/>
         <a:font script="Geor" typeface="Sylfaen"/>
-        <a:font script="Armn" typeface="Arial"/>
-        <a:font script="Bugi" typeface="Leelawadee UI"/>
-        <a:font script="Bopo" typeface="Microsoft JhengHei"/>
-        <a:font script="Java" typeface="Javanese Text"/>
-        <a:font script="Lisu" typeface="Segoe UI"/>
-        <a:font script="Mymr" typeface="Myanmar Text"/>
-        <a:font script="Nkoo" typeface="Ebrima"/>
-        <a:font script="Olck" typeface="Nirmala UI"/>
-        <a:font script="Osma" typeface="Ebrima"/>
-        <a:font script="Phag" typeface="Phagspa"/>
-        <a:font script="Syrn" typeface="Estrangelo Edessa"/>
-        <a:font script="Syrj" typeface="Estrangelo Edessa"/>
-        <a:font script="Syre" typeface="Estrangelo Edessa"/>
-        <a:font script="Sora" typeface="Nirmala UI"/>
-        <a:font script="Tale" typeface="Microsoft Tai Le"/>
-        <a:font script="Talu" typeface="Microsoft New Tai Lue"/>
-        <a:font script="Tfng" typeface="Ebrima"/>
       </a:minorFont>
     </a:fontScheme>
-    <a:fmtScheme name="Office">
+    <a:fmtScheme name="Office Theme">
       <a:fillStyleLst>
         <a:solidFill>
           <a:schemeClr val="phClr"/>
@@ -4423,7 +4036,7 @@
   <a:extraClrSchemeLst/>
   <a:extLst>
     <a:ext uri="{05A4C25C-085E-4340-85A3-A5531E510DB2}">
-      <thm15:themeFamily xmlns:thm15="http://schemas.microsoft.com/office/thememl/2012/main" name="Office Theme" id="{62F939B6-93AF-4DB8-9C6B-D6C7DFDC589F}" vid="{4A3C46E8-61CC-4603-A589-7422A47A8E4A}"/>
+      <thm15:themeFamily xmlns:thm15="http://schemas.microsoft.com/office/thememl/2012/main" name="Office Theme" id="{62F939B6-93AF-4DB8-9C6B-D6C7DFDC589F}" vid="{4F46216B-77A9-411A-B9D3-5023FCB70208}"/>
     </a:ext>
   </a:extLst>
 </a:theme>
